--- a/Compiler/Frontend/09.algebraic.pptx
+++ b/Compiler/Frontend/09.algebraic.pptx
@@ -570,7 +570,7 @@
             <a:fld id="{C45443A1-D8F2-48CD-A659-3CEDBA8DF541}" type="datetimeFigureOut">
               <a:rPr lang="zh-CN" altLang="en-US" smtClean="0"/>
               <a:pPr/>
-              <a:t>2022/12/21</a:t>
+              <a:t>2023/1/16</a:t>
             </a:fld>
             <a:endParaRPr lang="zh-CN" altLang="en-US"/>
           </a:p>
@@ -39379,8 +39379,8 @@
           </a:prstGeom>
         </p:spPr>
       </p:pic>
-      <mc:AlternateContent xmlns:mc="http://schemas.openxmlformats.org/markup-compatibility/2006">
-        <mc:Choice xmlns:a14="http://schemas.microsoft.com/office/drawing/2010/main" Requires="a14">
+      <mc:AlternateContent xmlns:mc="http://schemas.openxmlformats.org/markup-compatibility/2006" xmlns:a14="http://schemas.microsoft.com/office/drawing/2010/main">
+        <mc:Choice Requires="a14">
           <p:sp>
             <p:nvSpPr>
               <p:cNvPr id="6" name="矩形 5">
@@ -39589,27 +39589,7 @@
                           </a:solidFill>
                           <a:latin typeface="Cambria Math" panose="02040503050406030204" pitchFamily="18" charset="0"/>
                         </a:rPr>
-                        <m:t>)</m:t>
-                      </m:r>
-                      <m:r>
-                        <a:rPr lang="en-US" altLang="zh-CN" i="1" dirty="0">
-                          <a:solidFill>
-                            <a:srgbClr val="374154"/>
-                          </a:solidFill>
-                          <a:latin typeface="Cambria Math" panose="02040503050406030204" pitchFamily="18" charset="0"/>
-                          <a:ea typeface="Cambria Math" panose="02040503050406030204" pitchFamily="18" charset="0"/>
-                        </a:rPr>
-                        <m:t>⊙</m:t>
-                      </m:r>
-                      <m:r>
-                        <a:rPr lang="en-US" altLang="zh-CN" b="0" i="1" dirty="0" smtClean="0">
-                          <a:solidFill>
-                            <a:srgbClr val="374154"/>
-                          </a:solidFill>
-                          <a:latin typeface="Cambria Math" panose="02040503050406030204" pitchFamily="18" charset="0"/>
-                          <a:ea typeface="Cambria Math" panose="02040503050406030204" pitchFamily="18" charset="0"/>
-                        </a:rPr>
-                        <m:t>(</m:t>
+                        <m:t>)⊙(</m:t>
                       </m:r>
                       <m:r>
                         <a:rPr lang="en-US" altLang="zh-CN" i="1" dirty="0">
@@ -39663,7 +39643,7 @@
             </p:txBody>
           </p:sp>
         </mc:Choice>
-        <mc:Fallback>
+        <mc:Fallback xmlns="">
           <p:sp>
             <p:nvSpPr>
               <p:cNvPr id="6" name="矩形 5">
@@ -41268,8 +41248,8 @@
           </a:p>
         </p:txBody>
       </p:sp>
-      <mc:AlternateContent xmlns:mc="http://schemas.openxmlformats.org/markup-compatibility/2006" xmlns:a14="http://schemas.microsoft.com/office/drawing/2010/main">
-        <mc:Choice Requires="a14">
+      <mc:AlternateContent xmlns:mc="http://schemas.openxmlformats.org/markup-compatibility/2006">
+        <mc:Choice xmlns:a14="http://schemas.microsoft.com/office/drawing/2010/main" Requires="a14">
           <p:sp>
             <p:nvSpPr>
               <p:cNvPr id="10" name="内容占位符 5">
@@ -41512,7 +41492,7 @@
                     </m:oMathParaPr>
                     <m:oMath xmlns:m="http://schemas.openxmlformats.org/officeDocument/2006/math">
                       <m:r>
-                        <a:rPr lang="en-US" altLang="zh-CN" i="1" dirty="0">
+                        <a:rPr lang="en-US" altLang="zh-CN" i="1" dirty="0" smtClean="0">
                           <a:latin typeface="Cambria Math" panose="02040503050406030204" pitchFamily="18" charset="0"/>
                           <a:ea typeface="Cambria Math" panose="02040503050406030204" pitchFamily="18" charset="0"/>
                         </a:rPr>
@@ -41716,11 +41696,18 @@
                         <m:t>𝑠h𝑎𝑝𝑒</m:t>
                       </m:r>
                       <m:r>
+                        <a:rPr lang="en-US" altLang="zh-CN" b="0" i="1" dirty="0" smtClean="0">
+                          <a:latin typeface="Cambria Math" panose="02040503050406030204" pitchFamily="18" charset="0"/>
+                          <a:ea typeface="Cambria Math" panose="02040503050406030204" pitchFamily="18" charset="0"/>
+                        </a:rPr>
+                        <m:t>1</m:t>
+                      </m:r>
+                      <m:r>
                         <a:rPr lang="en-US" altLang="zh-CN" i="1" dirty="0">
                           <a:latin typeface="Cambria Math" panose="02040503050406030204" pitchFamily="18" charset="0"/>
                           <a:ea typeface="Cambria Math" panose="02040503050406030204" pitchFamily="18" charset="0"/>
                         </a:rPr>
-                        <m:t>2)</m:t>
+                        <m:t>)</m:t>
                       </m:r>
                     </m:oMath>
                   </m:oMathPara>
@@ -41733,7 +41720,7 @@
             </p:txBody>
           </p:sp>
         </mc:Choice>
-        <mc:Fallback xmlns="">
+        <mc:Fallback>
           <p:sp>
             <p:nvSpPr>
               <p:cNvPr id="10" name="内容占位符 5">
